--- a/과제9주차.pptx
+++ b/과제9주차.pptx
@@ -3997,8 +3997,8 @@
         </p:nvSpPr>
         <p:spPr>
           <a:xfrm>
-            <a:off x="179108" y="145676"/>
-            <a:ext cx="3238870" cy="635000"/>
+            <a:off x="179108" y="134470"/>
+            <a:ext cx="3810556" cy="635000"/>
           </a:xfrm>
         </p:spPr>
         <p:txBody>
@@ -4015,6 +4015,13 @@
               <a:buNone/>
               <a:defRPr/>
             </a:pPr>
+            <a:r>
+              <a:rPr lang="ko-KR" altLang="en-US" sz="2500" b="1">
+                <a:latin typeface="한컴 윤고딕 240"/>
+                <a:ea typeface="한컴 윤고딕 240"/>
+              </a:rPr>
+              <a:t> </a:t>
+            </a:r>
             <a:r>
               <a:rPr lang="ko" sz="2500" b="1">
                 <a:latin typeface="한컴 윤고딕 240"/>
@@ -4041,7 +4048,7 @@
         </p:nvGraphicFramePr>
         <p:xfrm>
           <a:off x="179108" y="933076"/>
-          <a:ext cx="11838855" cy="2137051"/>
+          <a:ext cx="11838854" cy="2137050"/>
         </p:xfrm>
         <a:graphic>
           <a:graphicData uri="http://schemas.openxmlformats.org/drawingml/2006/table">
@@ -7974,7 +7981,7 @@
                 <a:latin typeface="한컴 윤고딕 240"/>
                 <a:ea typeface="한컴 윤고딕 240"/>
               </a:rPr>
-              <a:t> Fㄴlutter 공식 문서, 라이브러리 문서, 온라인 커뮤니티</a:t>
+              <a:t> Flutter 공식 문서, 라이브러리 문서, 온라인 커뮤니티</a:t>
             </a:r>
             <a:endParaRPr xmlns:mc="http://schemas.openxmlformats.org/markup-compatibility/2006" xmlns:hp="http://schemas.haansoft.com/office/presentation/8.0" kumimoji="0" lang="ko-KR" altLang="en-US" sz="1500" b="0" i="0" u="none" strike="noStrike" kern="1200" cap="none" spc="0" normalizeH="0" baseline="0" mc:Ignorable="hp" hp:hslEmbossed="0">
               <a:solidFill>
